--- a/presentazione/presentazione progetto.pptx
+++ b/presentazione/presentazione progetto.pptx
@@ -263,7 +263,7 @@
           <a:p>
             <a:fld id="{3B2DF201-2D14-447F-B6EE-57F5DD4B18A5}" type="datetimeFigureOut">
               <a:rPr lang="it-IT" smtClean="0"/>
-              <a:t>18/06/2021</a:t>
+              <a:t>19/06/2021</a:t>
             </a:fld>
             <a:endParaRPr lang="it-IT"/>
           </a:p>
@@ -461,7 +461,7 @@
           <a:p>
             <a:fld id="{3B2DF201-2D14-447F-B6EE-57F5DD4B18A5}" type="datetimeFigureOut">
               <a:rPr lang="it-IT" smtClean="0"/>
-              <a:t>18/06/2021</a:t>
+              <a:t>19/06/2021</a:t>
             </a:fld>
             <a:endParaRPr lang="it-IT"/>
           </a:p>
@@ -669,7 +669,7 @@
           <a:p>
             <a:fld id="{3B2DF201-2D14-447F-B6EE-57F5DD4B18A5}" type="datetimeFigureOut">
               <a:rPr lang="it-IT" smtClean="0"/>
-              <a:t>18/06/2021</a:t>
+              <a:t>19/06/2021</a:t>
             </a:fld>
             <a:endParaRPr lang="it-IT"/>
           </a:p>
@@ -867,7 +867,7 @@
           <a:p>
             <a:fld id="{3B2DF201-2D14-447F-B6EE-57F5DD4B18A5}" type="datetimeFigureOut">
               <a:rPr lang="it-IT" smtClean="0"/>
-              <a:t>18/06/2021</a:t>
+              <a:t>19/06/2021</a:t>
             </a:fld>
             <a:endParaRPr lang="it-IT"/>
           </a:p>
@@ -1142,7 +1142,7 @@
           <a:p>
             <a:fld id="{3B2DF201-2D14-447F-B6EE-57F5DD4B18A5}" type="datetimeFigureOut">
               <a:rPr lang="it-IT" smtClean="0"/>
-              <a:t>18/06/2021</a:t>
+              <a:t>19/06/2021</a:t>
             </a:fld>
             <a:endParaRPr lang="it-IT"/>
           </a:p>
@@ -1407,7 +1407,7 @@
           <a:p>
             <a:fld id="{3B2DF201-2D14-447F-B6EE-57F5DD4B18A5}" type="datetimeFigureOut">
               <a:rPr lang="it-IT" smtClean="0"/>
-              <a:t>18/06/2021</a:t>
+              <a:t>19/06/2021</a:t>
             </a:fld>
             <a:endParaRPr lang="it-IT"/>
           </a:p>
@@ -1819,7 +1819,7 @@
           <a:p>
             <a:fld id="{3B2DF201-2D14-447F-B6EE-57F5DD4B18A5}" type="datetimeFigureOut">
               <a:rPr lang="it-IT" smtClean="0"/>
-              <a:t>18/06/2021</a:t>
+              <a:t>19/06/2021</a:t>
             </a:fld>
             <a:endParaRPr lang="it-IT"/>
           </a:p>
@@ -1960,7 +1960,7 @@
           <a:p>
             <a:fld id="{3B2DF201-2D14-447F-B6EE-57F5DD4B18A5}" type="datetimeFigureOut">
               <a:rPr lang="it-IT" smtClean="0"/>
-              <a:t>18/06/2021</a:t>
+              <a:t>19/06/2021</a:t>
             </a:fld>
             <a:endParaRPr lang="it-IT"/>
           </a:p>
@@ -2073,7 +2073,7 @@
           <a:p>
             <a:fld id="{3B2DF201-2D14-447F-B6EE-57F5DD4B18A5}" type="datetimeFigureOut">
               <a:rPr lang="it-IT" smtClean="0"/>
-              <a:t>18/06/2021</a:t>
+              <a:t>19/06/2021</a:t>
             </a:fld>
             <a:endParaRPr lang="it-IT"/>
           </a:p>
@@ -2384,7 +2384,7 @@
           <a:p>
             <a:fld id="{3B2DF201-2D14-447F-B6EE-57F5DD4B18A5}" type="datetimeFigureOut">
               <a:rPr lang="it-IT" smtClean="0"/>
-              <a:t>18/06/2021</a:t>
+              <a:t>19/06/2021</a:t>
             </a:fld>
             <a:endParaRPr lang="it-IT"/>
           </a:p>
@@ -2672,7 +2672,7 @@
           <a:p>
             <a:fld id="{3B2DF201-2D14-447F-B6EE-57F5DD4B18A5}" type="datetimeFigureOut">
               <a:rPr lang="it-IT" smtClean="0"/>
-              <a:t>18/06/2021</a:t>
+              <a:t>19/06/2021</a:t>
             </a:fld>
             <a:endParaRPr lang="it-IT"/>
           </a:p>
@@ -2913,7 +2913,7 @@
           <a:p>
             <a:fld id="{3B2DF201-2D14-447F-B6EE-57F5DD4B18A5}" type="datetimeFigureOut">
               <a:rPr lang="it-IT" smtClean="0"/>
-              <a:t>18/06/2021</a:t>
+              <a:t>19/06/2021</a:t>
             </a:fld>
             <a:endParaRPr lang="it-IT"/>
           </a:p>
@@ -3553,9 +3553,6 @@
           <a:p>
             <a:r>
               <a:rPr lang="it-IT" dirty="0">
-                <a:solidFill>
-                  <a:srgbClr val="FF0000"/>
-                </a:solidFill>
                 <a:latin typeface="Arial" panose="020B0604020202020204" pitchFamily="34" charset="0"/>
                 <a:cs typeface="Arial" panose="020B0604020202020204" pitchFamily="34" charset="0"/>
               </a:rPr>

--- a/presentazione/presentazione progetto.pptx
+++ b/presentazione/presentazione progetto.pptx
@@ -3680,10 +3680,10 @@
       </p:sp>
       <p:pic>
         <p:nvPicPr>
-          <p:cNvPr id="4" name="Immagine 3">
-            <a:extLst>
-              <a:ext uri="{FF2B5EF4-FFF2-40B4-BE49-F238E27FC236}">
-                <a16:creationId xmlns:a16="http://schemas.microsoft.com/office/drawing/2014/main" id="{F5A3DFB2-0DF1-45A2-B2C9-009D0E8F4A70}"/>
+          <p:cNvPr id="5" name="Immagine 4">
+            <a:extLst>
+              <a:ext uri="{FF2B5EF4-FFF2-40B4-BE49-F238E27FC236}">
+                <a16:creationId xmlns:a16="http://schemas.microsoft.com/office/drawing/2014/main" id="{5A039BEE-3D02-4909-806B-3F834E476338}"/>
               </a:ext>
             </a:extLst>
           </p:cNvPr>
@@ -3706,8 +3706,8 @@
         </p:blipFill>
         <p:spPr>
           <a:xfrm>
-            <a:off x="423862" y="1304181"/>
-            <a:ext cx="11344275" cy="5258544"/>
+            <a:off x="644593" y="1230312"/>
+            <a:ext cx="10654238" cy="4916487"/>
           </a:xfrm>
           <a:prstGeom prst="rect">
             <a:avLst/>
@@ -3746,10 +3746,10 @@
       </p:grpSpPr>
       <p:pic>
         <p:nvPicPr>
-          <p:cNvPr id="3" name="Immagine 2">
-            <a:extLst>
-              <a:ext uri="{FF2B5EF4-FFF2-40B4-BE49-F238E27FC236}">
-                <a16:creationId xmlns:a16="http://schemas.microsoft.com/office/drawing/2014/main" id="{8DA654A4-9579-47E2-90E0-AB8F053AAD9D}"/>
+          <p:cNvPr id="4" name="Immagine 3">
+            <a:extLst>
+              <a:ext uri="{FF2B5EF4-FFF2-40B4-BE49-F238E27FC236}">
+                <a16:creationId xmlns:a16="http://schemas.microsoft.com/office/drawing/2014/main" id="{057AA1CA-209D-4FAE-A6FB-BD512DD69550}"/>
               </a:ext>
             </a:extLst>
           </p:cNvPr>
@@ -3772,8 +3772,8 @@
         </p:blipFill>
         <p:spPr>
           <a:xfrm>
-            <a:off x="561654" y="863600"/>
-            <a:ext cx="11068692" cy="5130800"/>
+            <a:off x="525379" y="858390"/>
+            <a:ext cx="11141242" cy="5141219"/>
           </a:xfrm>
           <a:prstGeom prst="rect">
             <a:avLst/>

--- a/presentazione/presentazione progetto.pptx
+++ b/presentazione/presentazione progetto.pptx
@@ -3948,28 +3948,49 @@
           <a:p>
             <a:pPr algn="l"/>
             <a:r>
+              <a:rPr lang="it-IT" dirty="0">
+                <a:latin typeface="Arial" panose="020B0604020202020204" pitchFamily="34" charset="0"/>
+                <a:cs typeface="Arial" panose="020B0604020202020204" pitchFamily="34" charset="0"/>
+              </a:rPr>
+              <a:t>Altri possibili standard</a:t>
+            </a:r>
+            <a:r>
               <a:rPr lang="it-IT">
                 <a:latin typeface="Arial" panose="020B0604020202020204" pitchFamily="34" charset="0"/>
                 <a:cs typeface="Arial" panose="020B0604020202020204" pitchFamily="34" charset="0"/>
               </a:rPr>
-              <a:t>Altri possibili standard</a:t>
-            </a:r>
-            <a:r>
-              <a:rPr lang="it-IT" dirty="0">
+              <a:t>: </a:t>
+            </a:r>
+            <a:r>
+              <a:rPr lang="it-IT">
+                <a:solidFill>
+                  <a:srgbClr val="000000"/>
+                </a:solidFill>
                 <a:latin typeface="Arial" panose="020B0604020202020204" pitchFamily="34" charset="0"/>
                 <a:cs typeface="Arial" panose="020B0604020202020204" pitchFamily="34" charset="0"/>
               </a:rPr>
-              <a:t>: </a:t>
-            </a:r>
-            <a:endParaRPr lang="it-IT" sz="1800" b="0" i="0" u="none" strike="noStrike" baseline="0" dirty="0">
-              <a:solidFill>
-                <a:srgbClr val="000000"/>
-              </a:solidFill>
-              <a:latin typeface="Arial" panose="020B0604020202020204" pitchFamily="34" charset="0"/>
-              <a:cs typeface="Arial" panose="020B0604020202020204" pitchFamily="34" charset="0"/>
-            </a:endParaRPr>
-          </a:p>
-          <a:p>
+              <a:t>standard ICCD;</a:t>
+            </a:r>
+            <a:r>
+              <a:rPr lang="it-IT" dirty="0">
+                <a:solidFill>
+                  <a:srgbClr val="000000"/>
+                </a:solidFill>
+                <a:latin typeface="Arial" panose="020B0604020202020204" pitchFamily="34" charset="0"/>
+                <a:cs typeface="Arial" panose="020B0604020202020204" pitchFamily="34" charset="0"/>
+              </a:rPr>
+              <a:t> </a:t>
+            </a:r>
+            <a:r>
+              <a:rPr lang="en-US" sz="1800" b="0" i="0" u="none" strike="noStrike" baseline="0">
+                <a:solidFill>
+                  <a:srgbClr val="000000"/>
+                </a:solidFill>
+                <a:latin typeface="Arial" panose="020B0604020202020204" pitchFamily="34" charset="0"/>
+                <a:cs typeface="Arial" panose="020B0604020202020204" pitchFamily="34" charset="0"/>
+              </a:rPr>
+              <a:t>CDWA</a:t>
+            </a:r>
             <a:r>
               <a:rPr lang="en-US" sz="1800" b="0" i="0" u="none" strike="noStrike" baseline="0" dirty="0">
                 <a:solidFill>
@@ -3978,7 +3999,7 @@
                 <a:latin typeface="Arial" panose="020B0604020202020204" pitchFamily="34" charset="0"/>
                 <a:cs typeface="Arial" panose="020B0604020202020204" pitchFamily="34" charset="0"/>
               </a:rPr>
-              <a:t>CDWA(</a:t>
+              <a:t>(</a:t>
             </a:r>
             <a:r>
               <a:rPr lang="en-US" sz="1800" b="0" i="1" u="none" strike="noStrike" baseline="0" dirty="0">

--- a/presentazione/presentazione progetto.pptx
+++ b/presentazione/presentazione progetto.pptx
@@ -263,7 +263,7 @@
           <a:p>
             <a:fld id="{3B2DF201-2D14-447F-B6EE-57F5DD4B18A5}" type="datetimeFigureOut">
               <a:rPr lang="it-IT" smtClean="0"/>
-              <a:t>19/06/2021</a:t>
+              <a:t>20/06/2021</a:t>
             </a:fld>
             <a:endParaRPr lang="it-IT"/>
           </a:p>
@@ -461,7 +461,7 @@
           <a:p>
             <a:fld id="{3B2DF201-2D14-447F-B6EE-57F5DD4B18A5}" type="datetimeFigureOut">
               <a:rPr lang="it-IT" smtClean="0"/>
-              <a:t>19/06/2021</a:t>
+              <a:t>20/06/2021</a:t>
             </a:fld>
             <a:endParaRPr lang="it-IT"/>
           </a:p>
@@ -669,7 +669,7 @@
           <a:p>
             <a:fld id="{3B2DF201-2D14-447F-B6EE-57F5DD4B18A5}" type="datetimeFigureOut">
               <a:rPr lang="it-IT" smtClean="0"/>
-              <a:t>19/06/2021</a:t>
+              <a:t>20/06/2021</a:t>
             </a:fld>
             <a:endParaRPr lang="it-IT"/>
           </a:p>
@@ -867,7 +867,7 @@
           <a:p>
             <a:fld id="{3B2DF201-2D14-447F-B6EE-57F5DD4B18A5}" type="datetimeFigureOut">
               <a:rPr lang="it-IT" smtClean="0"/>
-              <a:t>19/06/2021</a:t>
+              <a:t>20/06/2021</a:t>
             </a:fld>
             <a:endParaRPr lang="it-IT"/>
           </a:p>
@@ -1142,7 +1142,7 @@
           <a:p>
             <a:fld id="{3B2DF201-2D14-447F-B6EE-57F5DD4B18A5}" type="datetimeFigureOut">
               <a:rPr lang="it-IT" smtClean="0"/>
-              <a:t>19/06/2021</a:t>
+              <a:t>20/06/2021</a:t>
             </a:fld>
             <a:endParaRPr lang="it-IT"/>
           </a:p>
@@ -1407,7 +1407,7 @@
           <a:p>
             <a:fld id="{3B2DF201-2D14-447F-B6EE-57F5DD4B18A5}" type="datetimeFigureOut">
               <a:rPr lang="it-IT" smtClean="0"/>
-              <a:t>19/06/2021</a:t>
+              <a:t>20/06/2021</a:t>
             </a:fld>
             <a:endParaRPr lang="it-IT"/>
           </a:p>
@@ -1819,7 +1819,7 @@
           <a:p>
             <a:fld id="{3B2DF201-2D14-447F-B6EE-57F5DD4B18A5}" type="datetimeFigureOut">
               <a:rPr lang="it-IT" smtClean="0"/>
-              <a:t>19/06/2021</a:t>
+              <a:t>20/06/2021</a:t>
             </a:fld>
             <a:endParaRPr lang="it-IT"/>
           </a:p>
@@ -1960,7 +1960,7 @@
           <a:p>
             <a:fld id="{3B2DF201-2D14-447F-B6EE-57F5DD4B18A5}" type="datetimeFigureOut">
               <a:rPr lang="it-IT" smtClean="0"/>
-              <a:t>19/06/2021</a:t>
+              <a:t>20/06/2021</a:t>
             </a:fld>
             <a:endParaRPr lang="it-IT"/>
           </a:p>
@@ -2073,7 +2073,7 @@
           <a:p>
             <a:fld id="{3B2DF201-2D14-447F-B6EE-57F5DD4B18A5}" type="datetimeFigureOut">
               <a:rPr lang="it-IT" smtClean="0"/>
-              <a:t>19/06/2021</a:t>
+              <a:t>20/06/2021</a:t>
             </a:fld>
             <a:endParaRPr lang="it-IT"/>
           </a:p>
@@ -2384,7 +2384,7 @@
           <a:p>
             <a:fld id="{3B2DF201-2D14-447F-B6EE-57F5DD4B18A5}" type="datetimeFigureOut">
               <a:rPr lang="it-IT" smtClean="0"/>
-              <a:t>19/06/2021</a:t>
+              <a:t>20/06/2021</a:t>
             </a:fld>
             <a:endParaRPr lang="it-IT"/>
           </a:p>
@@ -2672,7 +2672,7 @@
           <a:p>
             <a:fld id="{3B2DF201-2D14-447F-B6EE-57F5DD4B18A5}" type="datetimeFigureOut">
               <a:rPr lang="it-IT" smtClean="0"/>
-              <a:t>19/06/2021</a:t>
+              <a:t>20/06/2021</a:t>
             </a:fld>
             <a:endParaRPr lang="it-IT"/>
           </a:p>
@@ -2913,7 +2913,7 @@
           <a:p>
             <a:fld id="{3B2DF201-2D14-447F-B6EE-57F5DD4B18A5}" type="datetimeFigureOut">
               <a:rPr lang="it-IT" smtClean="0"/>
-              <a:t>19/06/2021</a:t>
+              <a:t>20/06/2021</a:t>
             </a:fld>
             <a:endParaRPr lang="it-IT"/>
           </a:p>
@@ -3680,10 +3680,10 @@
       </p:sp>
       <p:pic>
         <p:nvPicPr>
-          <p:cNvPr id="5" name="Immagine 4">
-            <a:extLst>
-              <a:ext uri="{FF2B5EF4-FFF2-40B4-BE49-F238E27FC236}">
-                <a16:creationId xmlns:a16="http://schemas.microsoft.com/office/drawing/2014/main" id="{5A039BEE-3D02-4909-806B-3F834E476338}"/>
+          <p:cNvPr id="4" name="Immagine 3">
+            <a:extLst>
+              <a:ext uri="{FF2B5EF4-FFF2-40B4-BE49-F238E27FC236}">
+                <a16:creationId xmlns:a16="http://schemas.microsoft.com/office/drawing/2014/main" id="{19E1A3AA-623A-4A34-937E-AEF6BF57881E}"/>
               </a:ext>
             </a:extLst>
           </p:cNvPr>
@@ -3706,8 +3706,8 @@
         </p:blipFill>
         <p:spPr>
           <a:xfrm>
-            <a:off x="644593" y="1230312"/>
-            <a:ext cx="10654238" cy="4916487"/>
+            <a:off x="781235" y="1325563"/>
+            <a:ext cx="10629530" cy="4910621"/>
           </a:xfrm>
           <a:prstGeom prst="rect">
             <a:avLst/>
@@ -3746,10 +3746,10 @@
       </p:grpSpPr>
       <p:pic>
         <p:nvPicPr>
-          <p:cNvPr id="4" name="Immagine 3">
-            <a:extLst>
-              <a:ext uri="{FF2B5EF4-FFF2-40B4-BE49-F238E27FC236}">
-                <a16:creationId xmlns:a16="http://schemas.microsoft.com/office/drawing/2014/main" id="{057AA1CA-209D-4FAE-A6FB-BD512DD69550}"/>
+          <p:cNvPr id="3" name="Immagine 2">
+            <a:extLst>
+              <a:ext uri="{FF2B5EF4-FFF2-40B4-BE49-F238E27FC236}">
+                <a16:creationId xmlns:a16="http://schemas.microsoft.com/office/drawing/2014/main" id="{415EA4FF-C858-44E9-9477-22E038E5840C}"/>
               </a:ext>
             </a:extLst>
           </p:cNvPr>
@@ -3772,8 +3772,8 @@
         </p:blipFill>
         <p:spPr>
           <a:xfrm>
-            <a:off x="525379" y="858390"/>
-            <a:ext cx="11141242" cy="5141219"/>
+            <a:off x="835689" y="998846"/>
+            <a:ext cx="10520622" cy="4860308"/>
           </a:xfrm>
           <a:prstGeom prst="rect">
             <a:avLst/>
